--- a/Nav buttons.pptx
+++ b/Nav buttons.pptx
@@ -262,7 +262,7 @@
           <a:p>
             <a:fld id="{7D87E120-6844-49F4-8397-FD2BD86B712E}" type="datetimeFigureOut">
               <a:rPr lang="en-US" smtClean="0"/>
-              <a:t>1/7/2021</a:t>
+              <a:t>1/25/2021</a:t>
             </a:fld>
             <a:endParaRPr lang="en-US"/>
           </a:p>
@@ -460,7 +460,7 @@
           <a:p>
             <a:fld id="{7D87E120-6844-49F4-8397-FD2BD86B712E}" type="datetimeFigureOut">
               <a:rPr lang="en-US" smtClean="0"/>
-              <a:t>1/7/2021</a:t>
+              <a:t>1/25/2021</a:t>
             </a:fld>
             <a:endParaRPr lang="en-US"/>
           </a:p>
@@ -668,7 +668,7 @@
           <a:p>
             <a:fld id="{7D87E120-6844-49F4-8397-FD2BD86B712E}" type="datetimeFigureOut">
               <a:rPr lang="en-US" smtClean="0"/>
-              <a:t>1/7/2021</a:t>
+              <a:t>1/25/2021</a:t>
             </a:fld>
             <a:endParaRPr lang="en-US"/>
           </a:p>
@@ -866,7 +866,7 @@
           <a:p>
             <a:fld id="{7D87E120-6844-49F4-8397-FD2BD86B712E}" type="datetimeFigureOut">
               <a:rPr lang="en-US" smtClean="0"/>
-              <a:t>1/7/2021</a:t>
+              <a:t>1/25/2021</a:t>
             </a:fld>
             <a:endParaRPr lang="en-US"/>
           </a:p>
@@ -1141,7 +1141,7 @@
           <a:p>
             <a:fld id="{7D87E120-6844-49F4-8397-FD2BD86B712E}" type="datetimeFigureOut">
               <a:rPr lang="en-US" smtClean="0"/>
-              <a:t>1/7/2021</a:t>
+              <a:t>1/25/2021</a:t>
             </a:fld>
             <a:endParaRPr lang="en-US"/>
           </a:p>
@@ -1406,7 +1406,7 @@
           <a:p>
             <a:fld id="{7D87E120-6844-49F4-8397-FD2BD86B712E}" type="datetimeFigureOut">
               <a:rPr lang="en-US" smtClean="0"/>
-              <a:t>1/7/2021</a:t>
+              <a:t>1/25/2021</a:t>
             </a:fld>
             <a:endParaRPr lang="en-US"/>
           </a:p>
@@ -1818,7 +1818,7 @@
           <a:p>
             <a:fld id="{7D87E120-6844-49F4-8397-FD2BD86B712E}" type="datetimeFigureOut">
               <a:rPr lang="en-US" smtClean="0"/>
-              <a:t>1/7/2021</a:t>
+              <a:t>1/25/2021</a:t>
             </a:fld>
             <a:endParaRPr lang="en-US"/>
           </a:p>
@@ -1959,7 +1959,7 @@
           <a:p>
             <a:fld id="{7D87E120-6844-49F4-8397-FD2BD86B712E}" type="datetimeFigureOut">
               <a:rPr lang="en-US" smtClean="0"/>
-              <a:t>1/7/2021</a:t>
+              <a:t>1/25/2021</a:t>
             </a:fld>
             <a:endParaRPr lang="en-US"/>
           </a:p>
@@ -2072,7 +2072,7 @@
           <a:p>
             <a:fld id="{7D87E120-6844-49F4-8397-FD2BD86B712E}" type="datetimeFigureOut">
               <a:rPr lang="en-US" smtClean="0"/>
-              <a:t>1/7/2021</a:t>
+              <a:t>1/25/2021</a:t>
             </a:fld>
             <a:endParaRPr lang="en-US"/>
           </a:p>
@@ -2383,7 +2383,7 @@
           <a:p>
             <a:fld id="{7D87E120-6844-49F4-8397-FD2BD86B712E}" type="datetimeFigureOut">
               <a:rPr lang="en-US" smtClean="0"/>
-              <a:t>1/7/2021</a:t>
+              <a:t>1/25/2021</a:t>
             </a:fld>
             <a:endParaRPr lang="en-US"/>
           </a:p>
@@ -2671,7 +2671,7 @@
           <a:p>
             <a:fld id="{7D87E120-6844-49F4-8397-FD2BD86B712E}" type="datetimeFigureOut">
               <a:rPr lang="en-US" smtClean="0"/>
-              <a:t>1/7/2021</a:t>
+              <a:t>1/25/2021</a:t>
             </a:fld>
             <a:endParaRPr lang="en-US"/>
           </a:p>
@@ -2912,7 +2912,7 @@
           <a:p>
             <a:fld id="{7D87E120-6844-49F4-8397-FD2BD86B712E}" type="datetimeFigureOut">
               <a:rPr lang="en-US" smtClean="0"/>
-              <a:t>1/7/2021</a:t>
+              <a:t>1/25/2021</a:t>
             </a:fld>
             <a:endParaRPr lang="en-US"/>
           </a:p>
@@ -3454,7 +3454,7 @@
           <p:spPr>
             <a:xfrm>
               <a:off x="1889649" y="1397674"/>
-              <a:ext cx="8572499" cy="4062651"/>
+              <a:ext cx="8572499" cy="3816429"/>
             </a:xfrm>
             <a:prstGeom prst="rect">
               <a:avLst/>
@@ -3479,7 +3479,7 @@
             <a:p>
               <a:pPr algn="ctr"/>
               <a:r>
-                <a:rPr lang="en-US" sz="9600" b="1" dirty="0">
+                <a:rPr lang="en-US" sz="8800" b="1" dirty="0">
                   <a:solidFill>
                     <a:schemeClr val="bg1"/>
                   </a:solidFill>
@@ -3985,10 +3985,10 @@
         </p:nvGrpSpPr>
         <p:grpSpPr>
           <a:xfrm>
-            <a:off x="1862751" y="333375"/>
-            <a:ext cx="8599398" cy="6191250"/>
-            <a:chOff x="1862751" y="333375"/>
-            <a:chExt cx="8599398" cy="6191250"/>
+            <a:off x="1889649" y="333375"/>
+            <a:ext cx="8599397" cy="6191250"/>
+            <a:chOff x="1889649" y="333375"/>
+            <a:chExt cx="8599397" cy="6191250"/>
           </a:xfrm>
         </p:grpSpPr>
         <p:sp>
@@ -4073,7 +4073,7 @@
           </p:blipFill>
           <p:spPr>
             <a:xfrm>
-              <a:off x="1889648" y="333375"/>
+              <a:off x="1889649" y="333375"/>
               <a:ext cx="8518706" cy="6191250"/>
             </a:xfrm>
             <a:prstGeom prst="rect">
@@ -4095,8 +4095,8 @@
           </p:nvSpPr>
           <p:spPr>
             <a:xfrm>
-              <a:off x="1862751" y="843677"/>
-              <a:ext cx="8572499" cy="5170646"/>
+              <a:off x="1916547" y="1351508"/>
+              <a:ext cx="8572499" cy="4154984"/>
             </a:xfrm>
             <a:prstGeom prst="rect">
               <a:avLst/>
@@ -4110,7 +4110,7 @@
             <a:lstStyle/>
             <a:p>
               <a:pPr algn="ctr"/>
-              <a:endParaRPr lang="en-US" sz="8800" dirty="0">
+              <a:endParaRPr lang="en-US" sz="9600" dirty="0">
                 <a:solidFill>
                   <a:schemeClr val="bg1"/>
                 </a:solidFill>
@@ -4127,25 +4127,12 @@
                   <a:latin typeface="Verdana" panose="020B0604030504040204" pitchFamily="34" charset="0"/>
                   <a:ea typeface="Verdana" panose="020B0604030504040204" pitchFamily="34" charset="0"/>
                 </a:rPr>
-                <a:t>CONTACT</a:t>
+                <a:t>DONATE</a:t>
               </a:r>
             </a:p>
             <a:p>
               <a:pPr algn="ctr"/>
-              <a:r>
-                <a:rPr lang="en-US" sz="8800" b="1" dirty="0">
-                  <a:solidFill>
-                    <a:schemeClr val="bg1"/>
-                  </a:solidFill>
-                  <a:latin typeface="Verdana" panose="020B0604030504040204" pitchFamily="34" charset="0"/>
-                  <a:ea typeface="Verdana" panose="020B0604030504040204" pitchFamily="34" charset="0"/>
-                </a:rPr>
-                <a:t>US</a:t>
-              </a:r>
-            </a:p>
-            <a:p>
-              <a:pPr algn="ctr"/>
-              <a:endParaRPr lang="en-US" sz="6600" dirty="0">
+              <a:endParaRPr lang="en-US" sz="7200" dirty="0">
                 <a:solidFill>
                   <a:schemeClr val="bg1"/>
                 </a:solidFill>
